--- a/content/teaching/virksomhedsstrategi/lektion01/lektion01-powerpoint.pptx
+++ b/content/teaching/virksomhedsstrategi/lektion01/lektion01-powerpoint.pptx
@@ -2384,23 +2384,61 @@
               <a:buNone/>
             </a:pPr>
             <a:r>
-              <a:rPr i="1">
-                <a:solidFill>
-                  <a:srgbClr val="60A0B0"/>
-                </a:solidFill>
-                <a:latin typeface="Courier"/>
-              </a:rPr>
-              <a:t># subsetting foundations </a:t>
-            </a:r>
-            <a:br/>
-            <a:r>
-              <a:rPr>
+              <a:rPr i="1" dirty="0">
+                <a:solidFill>
+                  <a:srgbClr val="60A0B0"/>
+                </a:solidFill>
+                <a:latin typeface="Courier"/>
+              </a:rPr>
+              <a:t># </a:t>
+            </a:r>
+            <a:r>
+              <a:rPr i="1" dirty="0" err="1">
+                <a:solidFill>
+                  <a:srgbClr val="60A0B0"/>
+                </a:solidFill>
+                <a:latin typeface="Courier"/>
+              </a:rPr>
+              <a:t>subsetting</a:t>
+            </a:r>
+            <a:r>
+              <a:rPr i="1" dirty="0">
+                <a:solidFill>
+                  <a:srgbClr val="60A0B0"/>
+                </a:solidFill>
+                <a:latin typeface="Courier"/>
+              </a:rPr>
+              <a:t> </a:t>
+            </a:r>
+            <a:r>
+              <a:rPr lang="de-DE" i="1" dirty="0" err="1">
+                <a:solidFill>
+                  <a:srgbClr val="60A0B0"/>
+                </a:solidFill>
+                <a:latin typeface="Courier"/>
+              </a:rPr>
+              <a:t>Commissions</a:t>
+            </a:r>
+            <a:r>
+              <a:rPr i="1" dirty="0">
+                <a:solidFill>
+                  <a:srgbClr val="60A0B0"/>
+                </a:solidFill>
+                <a:latin typeface="Courier"/>
+              </a:rPr>
+              <a:t> </a:t>
+            </a:r>
+            <a:br>
+              <a:rPr dirty="0"/>
+            </a:br>
+            <a:r>
+              <a:rPr dirty="0">
                 <a:latin typeface="Courier"/>
               </a:rPr>
               <a:t>den1 </a:t>
             </a:r>
             <a:r>
-              <a:rPr>
+              <a:rPr dirty="0">
                 <a:solidFill>
                   <a:srgbClr val="007020"/>
                 </a:solidFill>
@@ -2409,13 +2447,13 @@
               <a:t>&lt;-</a:t>
             </a:r>
             <a:r>
-              <a:rPr>
+              <a:rPr dirty="0">
                 <a:latin typeface="Courier"/>
               </a:rPr>
               <a:t> den[sector </a:t>
             </a:r>
             <a:r>
-              <a:rPr>
+              <a:rPr dirty="0">
                 <a:solidFill>
                   <a:srgbClr val="4070A0"/>
                 </a:solidFill>
@@ -2424,56 +2462,160 @@
               <a:t>==</a:t>
             </a:r>
             <a:r>
-              <a:rPr>
-                <a:latin typeface="Courier"/>
-              </a:rPr>
-              <a:t> </a:t>
-            </a:r>
-            <a:r>
-              <a:rPr>
+              <a:rPr dirty="0">
+                <a:latin typeface="Courier"/>
+              </a:rPr>
+              <a:t> </a:t>
+            </a:r>
+            <a:r>
+              <a:rPr dirty="0">
                 <a:solidFill>
                   <a:srgbClr val="4070A0"/>
                 </a:solidFill>
                 <a:latin typeface="Courier"/>
               </a:rPr>
-              <a:t>"Family"</a:t>
-            </a:r>
-            <a:r>
-              <a:rPr>
+              <a:t>"</a:t>
+            </a:r>
+            <a:r>
+              <a:rPr lang="en-US" dirty="0">
+                <a:solidFill>
+                  <a:srgbClr val="4070A0"/>
+                </a:solidFill>
+                <a:latin typeface="Courier"/>
+              </a:rPr>
+              <a:t>Commissions</a:t>
+            </a:r>
+            <a:r>
+              <a:rPr dirty="0">
+                <a:solidFill>
+                  <a:srgbClr val="4070A0"/>
+                </a:solidFill>
+                <a:latin typeface="Courier"/>
+              </a:rPr>
+              <a:t>"</a:t>
+            </a:r>
+            <a:r>
+              <a:rPr dirty="0">
                 <a:latin typeface="Courier"/>
               </a:rPr>
               <a:t>]</a:t>
             </a:r>
-            <a:br/>
-            <a:r>
-              <a:rPr i="1">
-                <a:solidFill>
-                  <a:srgbClr val="60A0B0"/>
-                </a:solidFill>
-                <a:latin typeface="Courier"/>
-              </a:rPr>
-              <a:t># dplyr way: den1 &lt;- den %&gt;% filter(sector == "Family)</a:t>
-            </a:r>
-            <a:br/>
-            <a:br/>
-            <a:r>
-              <a:rPr i="1">
-                <a:solidFill>
-                  <a:srgbClr val="60A0B0"/>
-                </a:solidFill>
-                <a:latin typeface="Courier"/>
-              </a:rPr>
-              <a:t># cross tabulation som giver en såkaldt "incidence matrix"</a:t>
-            </a:r>
-            <a:br/>
-            <a:r>
-              <a:rPr>
-                <a:latin typeface="Courier"/>
-              </a:rPr>
-              <a:t>incidence_matrix </a:t>
-            </a:r>
-            <a:r>
-              <a:rPr>
+            <a:br>
+              <a:rPr dirty="0"/>
+            </a:br>
+            <a:r>
+              <a:rPr i="1" dirty="0">
+                <a:solidFill>
+                  <a:srgbClr val="60A0B0"/>
+                </a:solidFill>
+                <a:latin typeface="Courier"/>
+              </a:rPr>
+              <a:t># dplyr way: den1 &lt;- den %&gt;% filter(sector == "</a:t>
+            </a:r>
+            <a:r>
+              <a:rPr lang="en-US" i="1" dirty="0">
+                <a:solidFill>
+                  <a:srgbClr val="60A0B0"/>
+                </a:solidFill>
+                <a:latin typeface="Courier"/>
+              </a:rPr>
+              <a:t>Commissions”</a:t>
+            </a:r>
+            <a:r>
+              <a:rPr i="1" dirty="0">
+                <a:solidFill>
+                  <a:srgbClr val="60A0B0"/>
+                </a:solidFill>
+                <a:latin typeface="Courier"/>
+              </a:rPr>
+              <a:t>)</a:t>
+            </a:r>
+            <a:br>
+              <a:rPr dirty="0"/>
+            </a:br>
+            <a:br>
+              <a:rPr dirty="0"/>
+            </a:br>
+            <a:r>
+              <a:rPr i="1" dirty="0">
+                <a:solidFill>
+                  <a:srgbClr val="60A0B0"/>
+                </a:solidFill>
+                <a:latin typeface="Courier"/>
+              </a:rPr>
+              <a:t># cross tabulation </a:t>
+            </a:r>
+            <a:r>
+              <a:rPr i="1" dirty="0" err="1">
+                <a:solidFill>
+                  <a:srgbClr val="60A0B0"/>
+                </a:solidFill>
+                <a:latin typeface="Courier"/>
+              </a:rPr>
+              <a:t>som</a:t>
+            </a:r>
+            <a:r>
+              <a:rPr i="1" dirty="0">
+                <a:solidFill>
+                  <a:srgbClr val="60A0B0"/>
+                </a:solidFill>
+                <a:latin typeface="Courier"/>
+              </a:rPr>
+              <a:t> giver </a:t>
+            </a:r>
+            <a:r>
+              <a:rPr i="1" dirty="0" err="1">
+                <a:solidFill>
+                  <a:srgbClr val="60A0B0"/>
+                </a:solidFill>
+                <a:latin typeface="Courier"/>
+              </a:rPr>
+              <a:t>en</a:t>
+            </a:r>
+            <a:r>
+              <a:rPr i="1" dirty="0">
+                <a:solidFill>
+                  <a:srgbClr val="60A0B0"/>
+                </a:solidFill>
+                <a:latin typeface="Courier"/>
+              </a:rPr>
+              <a:t> </a:t>
+            </a:r>
+            <a:r>
+              <a:rPr i="1" dirty="0" err="1">
+                <a:solidFill>
+                  <a:srgbClr val="60A0B0"/>
+                </a:solidFill>
+                <a:latin typeface="Courier"/>
+              </a:rPr>
+              <a:t>såkaldt</a:t>
+            </a:r>
+            <a:r>
+              <a:rPr i="1" dirty="0">
+                <a:solidFill>
+                  <a:srgbClr val="60A0B0"/>
+                </a:solidFill>
+                <a:latin typeface="Courier"/>
+              </a:rPr>
+              <a:t> "incidence matrix"</a:t>
+            </a:r>
+            <a:br>
+              <a:rPr dirty="0"/>
+            </a:br>
+            <a:r>
+              <a:rPr dirty="0" err="1">
+                <a:latin typeface="Courier"/>
+              </a:rPr>
+              <a:t>incidence_matrix</a:t>
+            </a:r>
+            <a:r>
+              <a:rPr dirty="0">
+                <a:latin typeface="Courier"/>
+              </a:rPr>
+              <a:t> </a:t>
+            </a:r>
+            <a:r>
+              <a:rPr dirty="0">
                 <a:solidFill>
                   <a:srgbClr val="007020"/>
                 </a:solidFill>
@@ -2482,13 +2624,13 @@
               <a:t>&lt;-</a:t>
             </a:r>
             <a:r>
-              <a:rPr>
-                <a:latin typeface="Courier"/>
-              </a:rPr>
-              <a:t> </a:t>
-            </a:r>
-            <a:r>
-              <a:rPr>
+              <a:rPr dirty="0">
+                <a:latin typeface="Courier"/>
+              </a:rPr>
+              <a:t> </a:t>
+            </a:r>
+            <a:r>
+              <a:rPr dirty="0" err="1">
                 <a:solidFill>
                   <a:srgbClr val="06287E"/>
                 </a:solidFill>
@@ -2497,13 +2639,13 @@
               <a:t>xtabs</a:t>
             </a:r>
             <a:r>
-              <a:rPr>
+              <a:rPr dirty="0">
                 <a:latin typeface="Courier"/>
               </a:rPr>
               <a:t>(</a:t>
             </a:r>
             <a:r>
-              <a:rPr>
+              <a:rPr dirty="0">
                 <a:solidFill>
                   <a:srgbClr val="7D9029"/>
                 </a:solidFill>
@@ -2512,13 +2654,13 @@
               <a:t>formula =</a:t>
             </a:r>
             <a:r>
-              <a:rPr>
-                <a:latin typeface="Courier"/>
-              </a:rPr>
-              <a:t> </a:t>
-            </a:r>
-            <a:r>
-              <a:rPr>
+              <a:rPr dirty="0">
+                <a:latin typeface="Courier"/>
+              </a:rPr>
+              <a:t> </a:t>
+            </a:r>
+            <a:r>
+              <a:rPr dirty="0">
                 <a:solidFill>
                   <a:srgbClr val="4070A0"/>
                 </a:solidFill>
@@ -2527,13 +2669,13 @@
               <a:t>~</a:t>
             </a:r>
             <a:r>
-              <a:rPr>
+              <a:rPr dirty="0">
                 <a:latin typeface="Courier"/>
               </a:rPr>
               <a:t> name </a:t>
             </a:r>
             <a:r>
-              <a:rPr>
+              <a:rPr dirty="0">
                 <a:solidFill>
                   <a:srgbClr val="4070A0"/>
                 </a:solidFill>
@@ -2542,13 +2684,13 @@
               <a:t>+</a:t>
             </a:r>
             <a:r>
-              <a:rPr>
+              <a:rPr dirty="0">
                 <a:latin typeface="Courier"/>
               </a:rPr>
               <a:t> affiliation, </a:t>
             </a:r>
             <a:r>
-              <a:rPr>
+              <a:rPr dirty="0">
                 <a:solidFill>
                   <a:srgbClr val="7D9029"/>
                 </a:solidFill>
@@ -2557,13 +2699,13 @@
               <a:t>sparse =</a:t>
             </a:r>
             <a:r>
-              <a:rPr>
+              <a:rPr dirty="0">
                 <a:latin typeface="Courier"/>
               </a:rPr>
               <a:t> T, </a:t>
             </a:r>
             <a:r>
-              <a:rPr>
+              <a:rPr dirty="0">
                 <a:solidFill>
                   <a:srgbClr val="7D9029"/>
                 </a:solidFill>
@@ -2572,31 +2714,55 @@
               <a:t>data =</a:t>
             </a:r>
             <a:r>
-              <a:rPr>
+              <a:rPr dirty="0">
                 <a:latin typeface="Courier"/>
               </a:rPr>
               <a:t> den1)</a:t>
             </a:r>
-            <a:br/>
-            <a:br/>
-            <a:r>
-              <a:rPr i="1">
-                <a:solidFill>
-                  <a:srgbClr val="60A0B0"/>
-                </a:solidFill>
-                <a:latin typeface="Courier"/>
-              </a:rPr>
-              <a:t># load two-mode netværk </a:t>
-            </a:r>
-            <a:br/>
-            <a:r>
-              <a:rPr>
+            <a:br>
+              <a:rPr dirty="0"/>
+            </a:br>
+            <a:br>
+              <a:rPr dirty="0"/>
+            </a:br>
+            <a:r>
+              <a:rPr i="1" dirty="0">
+                <a:solidFill>
+                  <a:srgbClr val="60A0B0"/>
+                </a:solidFill>
+                <a:latin typeface="Courier"/>
+              </a:rPr>
+              <a:t># load two-mode </a:t>
+            </a:r>
+            <a:r>
+              <a:rPr i="1" dirty="0" err="1">
+                <a:solidFill>
+                  <a:srgbClr val="60A0B0"/>
+                </a:solidFill>
+                <a:latin typeface="Courier"/>
+              </a:rPr>
+              <a:t>netværk</a:t>
+            </a:r>
+            <a:r>
+              <a:rPr i="1" dirty="0">
+                <a:solidFill>
+                  <a:srgbClr val="60A0B0"/>
+                </a:solidFill>
+                <a:latin typeface="Courier"/>
+              </a:rPr>
+              <a:t> </a:t>
+            </a:r>
+            <a:br>
+              <a:rPr dirty="0"/>
+            </a:br>
+            <a:r>
+              <a:rPr dirty="0">
                 <a:latin typeface="Courier"/>
               </a:rPr>
               <a:t>net1 </a:t>
             </a:r>
             <a:r>
-              <a:rPr>
+              <a:rPr dirty="0">
                 <a:solidFill>
                   <a:srgbClr val="007020"/>
                 </a:solidFill>
@@ -2605,13 +2771,13 @@
               <a:t>&lt;-</a:t>
             </a:r>
             <a:r>
-              <a:rPr>
-                <a:latin typeface="Courier"/>
-              </a:rPr>
-              <a:t> </a:t>
-            </a:r>
-            <a:r>
-              <a:rPr>
+              <a:rPr dirty="0">
+                <a:latin typeface="Courier"/>
+              </a:rPr>
+              <a:t> </a:t>
+            </a:r>
+            <a:r>
+              <a:rPr dirty="0" err="1">
                 <a:solidFill>
                   <a:srgbClr val="06287E"/>
                 </a:solidFill>
@@ -2620,13 +2786,25 @@
               <a:t>graph_from_incidence_matrix</a:t>
             </a:r>
             <a:r>
-              <a:rPr>
-                <a:latin typeface="Courier"/>
-              </a:rPr>
-              <a:t>(incidence_matrix, </a:t>
-            </a:r>
-            <a:r>
-              <a:rPr>
+              <a:rPr dirty="0">
+                <a:latin typeface="Courier"/>
+              </a:rPr>
+              <a:t>(</a:t>
+            </a:r>
+            <a:r>
+              <a:rPr dirty="0" err="1">
+                <a:latin typeface="Courier"/>
+              </a:rPr>
+              <a:t>incidence_matrix</a:t>
+            </a:r>
+            <a:r>
+              <a:rPr dirty="0">
+                <a:latin typeface="Courier"/>
+              </a:rPr>
+              <a:t>, </a:t>
+            </a:r>
+            <a:r>
+              <a:rPr dirty="0">
                 <a:solidFill>
                   <a:srgbClr val="7D9029"/>
                 </a:solidFill>
@@ -2635,13 +2813,13 @@
               <a:t>directed =</a:t>
             </a:r>
             <a:r>
-              <a:rPr>
-                <a:latin typeface="Courier"/>
-              </a:rPr>
-              <a:t> </a:t>
-            </a:r>
-            <a:r>
-              <a:rPr>
+              <a:rPr dirty="0">
+                <a:latin typeface="Courier"/>
+              </a:rPr>
+              <a:t> </a:t>
+            </a:r>
+            <a:r>
+              <a:rPr dirty="0">
                 <a:solidFill>
                   <a:srgbClr val="880000"/>
                 </a:solidFill>
@@ -2650,7 +2828,7 @@
               <a:t>FALSE</a:t>
             </a:r>
             <a:r>
-              <a:rPr>
+              <a:rPr dirty="0">
                 <a:latin typeface="Courier"/>
               </a:rPr>
               <a:t>)</a:t>
@@ -3874,7 +4052,181 @@
                 </a:solidFill>
                 <a:latin typeface="Courier"/>
               </a:rPr>
-              <a:t> </a:t>
+              <a:t> Commissions label</a:t>
+            </a:r>
+            <a:br>
+              <a:rPr lang="en-US" dirty="0"/>
+            </a:br>
+            <a:r>
+              <a:rPr lang="en-US" dirty="0">
+                <a:latin typeface="Courier"/>
+              </a:rPr>
+              <a:t>  </a:t>
+            </a:r>
+            <a:r>
+              <a:rPr lang="en-US" dirty="0" err="1">
+                <a:solidFill>
+                  <a:srgbClr val="06287E"/>
+                </a:solidFill>
+                <a:latin typeface="Courier"/>
+              </a:rPr>
+              <a:t>geom_node_text</a:t>
+            </a:r>
+            <a:r>
+              <a:rPr lang="en-US" dirty="0">
+                <a:latin typeface="Courier"/>
+              </a:rPr>
+              <a:t>(</a:t>
+            </a:r>
+            <a:r>
+              <a:rPr lang="en-US" dirty="0" err="1">
+                <a:solidFill>
+                  <a:srgbClr val="06287E"/>
+                </a:solidFill>
+                <a:latin typeface="Courier"/>
+              </a:rPr>
+              <a:t>aes</a:t>
+            </a:r>
+            <a:r>
+              <a:rPr lang="en-US" dirty="0">
+                <a:latin typeface="Courier"/>
+              </a:rPr>
+              <a:t>(</a:t>
+            </a:r>
+            <a:r>
+              <a:rPr lang="en-US" dirty="0">
+                <a:solidFill>
+                  <a:srgbClr val="7D9029"/>
+                </a:solidFill>
+                <a:latin typeface="Courier"/>
+              </a:rPr>
+              <a:t>filter=</a:t>
+            </a:r>
+            <a:r>
+              <a:rPr lang="en-US" dirty="0">
+                <a:latin typeface="Courier"/>
+              </a:rPr>
+              <a:t>type</a:t>
+            </a:r>
+            <a:r>
+              <a:rPr lang="en-US" dirty="0">
+                <a:solidFill>
+                  <a:srgbClr val="4070A0"/>
+                </a:solidFill>
+                <a:latin typeface="Courier"/>
+              </a:rPr>
+              <a:t>==</a:t>
+            </a:r>
+            <a:r>
+              <a:rPr lang="en-US" dirty="0">
+                <a:solidFill>
+                  <a:srgbClr val="880000"/>
+                </a:solidFill>
+                <a:latin typeface="Courier"/>
+              </a:rPr>
+              <a:t>TRUE</a:t>
+            </a:r>
+            <a:r>
+              <a:rPr lang="en-US" dirty="0">
+                <a:latin typeface="Courier"/>
+              </a:rPr>
+              <a:t>, </a:t>
+            </a:r>
+            <a:r>
+              <a:rPr lang="en-US" dirty="0">
+                <a:solidFill>
+                  <a:srgbClr val="7D9029"/>
+                </a:solidFill>
+                <a:latin typeface="Courier"/>
+              </a:rPr>
+              <a:t>label =</a:t>
+            </a:r>
+            <a:r>
+              <a:rPr lang="en-US" dirty="0">
+                <a:latin typeface="Courier"/>
+              </a:rPr>
+              <a:t> name), </a:t>
+            </a:r>
+            <a:r>
+              <a:rPr lang="en-US" dirty="0">
+                <a:solidFill>
+                  <a:srgbClr val="7D9029"/>
+                </a:solidFill>
+                <a:latin typeface="Courier"/>
+              </a:rPr>
+              <a:t>repel =</a:t>
+            </a:r>
+            <a:r>
+              <a:rPr lang="en-US" dirty="0">
+                <a:latin typeface="Courier"/>
+              </a:rPr>
+              <a:t> </a:t>
+            </a:r>
+            <a:r>
+              <a:rPr lang="en-US" dirty="0">
+                <a:solidFill>
+                  <a:srgbClr val="880000"/>
+                </a:solidFill>
+                <a:latin typeface="Courier"/>
+              </a:rPr>
+              <a:t>TRUE</a:t>
+            </a:r>
+            <a:r>
+              <a:rPr lang="en-US" dirty="0">
+                <a:latin typeface="Courier"/>
+              </a:rPr>
+              <a:t>, </a:t>
+            </a:r>
+            <a:r>
+              <a:rPr lang="en-US" dirty="0">
+                <a:solidFill>
+                  <a:srgbClr val="7D9029"/>
+                </a:solidFill>
+                <a:latin typeface="Courier"/>
+              </a:rPr>
+              <a:t>size =</a:t>
+            </a:r>
+            <a:r>
+              <a:rPr lang="en-US" dirty="0">
+                <a:latin typeface="Courier"/>
+              </a:rPr>
+              <a:t> </a:t>
+            </a:r>
+            <a:r>
+              <a:rPr lang="en-US" dirty="0">
+                <a:solidFill>
+                  <a:srgbClr val="40A070"/>
+                </a:solidFill>
+                <a:latin typeface="Courier"/>
+              </a:rPr>
+              <a:t>4</a:t>
+            </a:r>
+            <a:r>
+              <a:rPr lang="en-US" dirty="0">
+                <a:latin typeface="Courier"/>
+              </a:rPr>
+              <a:t>) </a:t>
+            </a:r>
+            <a:r>
+              <a:rPr lang="en-US" dirty="0">
+                <a:solidFill>
+                  <a:srgbClr val="4070A0"/>
+                </a:solidFill>
+                <a:latin typeface="Courier"/>
+              </a:rPr>
+              <a:t>+</a:t>
+            </a:r>
+            <a:br>
+              <a:rPr lang="en-US" dirty="0"/>
+            </a:br>
+            <a:r>
+              <a:rPr lang="en-US" i="1" dirty="0">
+                <a:solidFill>
+                  <a:srgbClr val="60A0B0"/>
+                </a:solidFill>
+                <a:latin typeface="Courier"/>
+              </a:rPr>
+              <a:t># </a:t>
             </a:r>
             <a:r>
               <a:rPr lang="en-US" i="1" dirty="0" err="1">
@@ -3883,7 +4235,7 @@
                 </a:solidFill>
                 <a:latin typeface="Courier"/>
               </a:rPr>
-              <a:t>beskrivelser</a:t>
+              <a:t>ændrer</a:t>
             </a:r>
             <a:r>
               <a:rPr lang="en-US" i="1" dirty="0">
@@ -3901,7 +4253,7 @@
                 </a:solidFill>
                 <a:latin typeface="Courier"/>
               </a:rPr>
-              <a:t>af</a:t>
+              <a:t>farver</a:t>
             </a:r>
             <a:r>
               <a:rPr lang="en-US" i="1" dirty="0">
@@ -3910,16 +4262,7 @@
                 </a:solidFill>
                 <a:latin typeface="Courier"/>
               </a:rPr>
-              <a:t> </a:t>
-            </a:r>
-            <a:r>
-              <a:rPr lang="en-US" i="1" dirty="0" err="1">
-                <a:solidFill>
-                  <a:srgbClr val="60A0B0"/>
-                </a:solidFill>
-                <a:latin typeface="Courier"/>
-              </a:rPr>
-              <a:t>familie</a:t>
+              <a:t> + labels</a:t>
             </a:r>
             <a:br>
               <a:rPr lang="en-US" dirty="0"/>
@@ -3937,7 +4280,7 @@
                 </a:solidFill>
                 <a:latin typeface="Courier"/>
               </a:rPr>
-              <a:t>geom_node_text</a:t>
+              <a:t>scale_color_manual</a:t>
             </a:r>
             <a:r>
               <a:rPr lang="en-US" dirty="0">
@@ -3946,13 +4289,28 @@
               <a:t>(</a:t>
             </a:r>
             <a:r>
-              <a:rPr lang="en-US" dirty="0" err="1">
+              <a:rPr lang="en-US" dirty="0">
+                <a:solidFill>
+                  <a:srgbClr val="7D9029"/>
+                </a:solidFill>
+                <a:latin typeface="Courier"/>
+              </a:rPr>
+              <a:t>values =</a:t>
+            </a:r>
+            <a:r>
+              <a:rPr lang="en-US" dirty="0">
+                <a:latin typeface="Courier"/>
+              </a:rPr>
+              <a:t> </a:t>
+            </a:r>
+            <a:r>
+              <a:rPr lang="en-US" dirty="0">
                 <a:solidFill>
                   <a:srgbClr val="06287E"/>
                 </a:solidFill>
                 <a:latin typeface="Courier"/>
               </a:rPr>
-              <a:t>aes</a:t>
+              <a:t>c</a:t>
             </a:r>
             <a:r>
               <a:rPr lang="en-US" dirty="0">
@@ -3963,17 +4321,98 @@
             <a:r>
               <a:rPr lang="en-US" dirty="0">
                 <a:solidFill>
+                  <a:srgbClr val="4070A0"/>
+                </a:solidFill>
+                <a:latin typeface="Courier"/>
+              </a:rPr>
+              <a:t>"</a:t>
+            </a:r>
+            <a:r>
+              <a:rPr lang="en-US" dirty="0" err="1">
+                <a:solidFill>
+                  <a:srgbClr val="4070A0"/>
+                </a:solidFill>
+                <a:latin typeface="Courier"/>
+              </a:rPr>
+              <a:t>lightblue</a:t>
+            </a:r>
+            <a:r>
+              <a:rPr lang="en-US" dirty="0">
+                <a:solidFill>
+                  <a:srgbClr val="4070A0"/>
+                </a:solidFill>
+                <a:latin typeface="Courier"/>
+              </a:rPr>
+              <a:t>"</a:t>
+            </a:r>
+            <a:r>
+              <a:rPr lang="en-US" dirty="0">
+                <a:latin typeface="Courier"/>
+              </a:rPr>
+              <a:t>, </a:t>
+            </a:r>
+            <a:r>
+              <a:rPr lang="en-US" dirty="0">
+                <a:solidFill>
+                  <a:srgbClr val="4070A0"/>
+                </a:solidFill>
+                <a:latin typeface="Courier"/>
+              </a:rPr>
+              <a:t>"</a:t>
+            </a:r>
+            <a:r>
+              <a:rPr lang="en-US" dirty="0" err="1">
+                <a:solidFill>
+                  <a:srgbClr val="4070A0"/>
+                </a:solidFill>
+                <a:latin typeface="Courier"/>
+              </a:rPr>
+              <a:t>darkred</a:t>
+            </a:r>
+            <a:r>
+              <a:rPr lang="en-US" dirty="0">
+                <a:solidFill>
+                  <a:srgbClr val="4070A0"/>
+                </a:solidFill>
+                <a:latin typeface="Courier"/>
+              </a:rPr>
+              <a:t>"</a:t>
+            </a:r>
+            <a:r>
+              <a:rPr lang="en-US" dirty="0">
+                <a:latin typeface="Courier"/>
+              </a:rPr>
+              <a:t>), </a:t>
+            </a:r>
+            <a:r>
+              <a:rPr lang="en-US" dirty="0">
+                <a:solidFill>
                   <a:srgbClr val="7D9029"/>
                 </a:solidFill>
                 <a:latin typeface="Courier"/>
               </a:rPr>
-              <a:t>filter=</a:t>
-            </a:r>
-            <a:r>
-              <a:rPr lang="en-US" dirty="0">
-                <a:latin typeface="Courier"/>
-              </a:rPr>
-              <a:t>type</a:t>
+              <a:t>labels =</a:t>
+            </a:r>
+            <a:r>
+              <a:rPr lang="en-US" dirty="0">
+                <a:latin typeface="Courier"/>
+              </a:rPr>
+              <a:t> </a:t>
+            </a:r>
+            <a:r>
+              <a:rPr lang="en-US" dirty="0">
+                <a:solidFill>
+                  <a:srgbClr val="06287E"/>
+                </a:solidFill>
+                <a:latin typeface="Courier"/>
+              </a:rPr>
+              <a:t>c</a:t>
+            </a:r>
+            <a:r>
+              <a:rPr lang="en-US" dirty="0">
+                <a:latin typeface="Courier"/>
+              </a:rPr>
+              <a:t>(</a:t>
             </a:r>
             <a:r>
               <a:rPr lang="en-US" dirty="0">
@@ -3982,16 +4421,7 @@
                 </a:solidFill>
                 <a:latin typeface="Courier"/>
               </a:rPr>
-              <a:t>==</a:t>
-            </a:r>
-            <a:r>
-              <a:rPr lang="en-US" dirty="0">
-                <a:solidFill>
-                  <a:srgbClr val="880000"/>
-                </a:solidFill>
-                <a:latin typeface="Courier"/>
-              </a:rPr>
-              <a:t>TRUE</a:t>
+              <a:t>"Individuals"</a:t>
             </a:r>
             <a:r>
               <a:rPr lang="en-US" dirty="0">
@@ -4002,308 +4432,11 @@
             <a:r>
               <a:rPr lang="en-US" dirty="0">
                 <a:solidFill>
-                  <a:srgbClr val="7D9029"/>
-                </a:solidFill>
-                <a:latin typeface="Courier"/>
-              </a:rPr>
-              <a:t>label =</a:t>
-            </a:r>
-            <a:r>
-              <a:rPr lang="en-US" dirty="0">
-                <a:latin typeface="Courier"/>
-              </a:rPr>
-              <a:t> name), </a:t>
-            </a:r>
-            <a:r>
-              <a:rPr lang="en-US" dirty="0">
-                <a:solidFill>
-                  <a:srgbClr val="7D9029"/>
-                </a:solidFill>
-                <a:latin typeface="Courier"/>
-              </a:rPr>
-              <a:t>repel =</a:t>
-            </a:r>
-            <a:r>
-              <a:rPr lang="en-US" dirty="0">
-                <a:latin typeface="Courier"/>
-              </a:rPr>
-              <a:t> </a:t>
-            </a:r>
-            <a:r>
-              <a:rPr lang="en-US" dirty="0">
-                <a:solidFill>
-                  <a:srgbClr val="880000"/>
-                </a:solidFill>
-                <a:latin typeface="Courier"/>
-              </a:rPr>
-              <a:t>TRUE</a:t>
-            </a:r>
-            <a:r>
-              <a:rPr lang="en-US" dirty="0">
-                <a:latin typeface="Courier"/>
-              </a:rPr>
-              <a:t>, </a:t>
-            </a:r>
-            <a:r>
-              <a:rPr lang="en-US" dirty="0">
-                <a:solidFill>
-                  <a:srgbClr val="7D9029"/>
-                </a:solidFill>
-                <a:latin typeface="Courier"/>
-              </a:rPr>
-              <a:t>size =</a:t>
-            </a:r>
-            <a:r>
-              <a:rPr lang="en-US" dirty="0">
-                <a:latin typeface="Courier"/>
-              </a:rPr>
-              <a:t> </a:t>
-            </a:r>
-            <a:r>
-              <a:rPr lang="en-US" dirty="0">
-                <a:solidFill>
-                  <a:srgbClr val="40A070"/>
-                </a:solidFill>
-                <a:latin typeface="Courier"/>
-              </a:rPr>
-              <a:t>4</a:t>
-            </a:r>
-            <a:r>
-              <a:rPr lang="en-US" dirty="0">
-                <a:latin typeface="Courier"/>
-              </a:rPr>
-              <a:t>) </a:t>
-            </a:r>
-            <a:r>
-              <a:rPr lang="en-US" dirty="0">
-                <a:solidFill>
                   <a:srgbClr val="4070A0"/>
                 </a:solidFill>
                 <a:latin typeface="Courier"/>
               </a:rPr>
-              <a:t>+</a:t>
-            </a:r>
-            <a:br>
-              <a:rPr lang="en-US" dirty="0"/>
-            </a:br>
-            <a:r>
-              <a:rPr lang="en-US" i="1" dirty="0">
-                <a:solidFill>
-                  <a:srgbClr val="60A0B0"/>
-                </a:solidFill>
-                <a:latin typeface="Courier"/>
-              </a:rPr>
-              <a:t># </a:t>
-            </a:r>
-            <a:r>
-              <a:rPr lang="en-US" i="1" dirty="0" err="1">
-                <a:solidFill>
-                  <a:srgbClr val="60A0B0"/>
-                </a:solidFill>
-                <a:latin typeface="Courier"/>
-              </a:rPr>
-              <a:t>ændrer</a:t>
-            </a:r>
-            <a:r>
-              <a:rPr lang="en-US" i="1" dirty="0">
-                <a:solidFill>
-                  <a:srgbClr val="60A0B0"/>
-                </a:solidFill>
-                <a:latin typeface="Courier"/>
-              </a:rPr>
-              <a:t> </a:t>
-            </a:r>
-            <a:r>
-              <a:rPr lang="en-US" i="1" dirty="0" err="1">
-                <a:solidFill>
-                  <a:srgbClr val="60A0B0"/>
-                </a:solidFill>
-                <a:latin typeface="Courier"/>
-              </a:rPr>
-              <a:t>farver</a:t>
-            </a:r>
-            <a:r>
-              <a:rPr lang="en-US" i="1" dirty="0">
-                <a:solidFill>
-                  <a:srgbClr val="60A0B0"/>
-                </a:solidFill>
-                <a:latin typeface="Courier"/>
-              </a:rPr>
-              <a:t> + labels</a:t>
-            </a:r>
-            <a:br>
-              <a:rPr lang="en-US" dirty="0"/>
-            </a:br>
-            <a:r>
-              <a:rPr lang="en-US" dirty="0">
-                <a:latin typeface="Courier"/>
-              </a:rPr>
-              <a:t>  </a:t>
-            </a:r>
-            <a:r>
-              <a:rPr lang="en-US" dirty="0" err="1">
-                <a:solidFill>
-                  <a:srgbClr val="06287E"/>
-                </a:solidFill>
-                <a:latin typeface="Courier"/>
-              </a:rPr>
-              <a:t>scale_color_manual</a:t>
-            </a:r>
-            <a:r>
-              <a:rPr lang="en-US" dirty="0">
-                <a:latin typeface="Courier"/>
-              </a:rPr>
-              <a:t>(</a:t>
-            </a:r>
-            <a:r>
-              <a:rPr lang="en-US" dirty="0">
-                <a:solidFill>
-                  <a:srgbClr val="7D9029"/>
-                </a:solidFill>
-                <a:latin typeface="Courier"/>
-              </a:rPr>
-              <a:t>values =</a:t>
-            </a:r>
-            <a:r>
-              <a:rPr lang="en-US" dirty="0">
-                <a:latin typeface="Courier"/>
-              </a:rPr>
-              <a:t> </a:t>
-            </a:r>
-            <a:r>
-              <a:rPr lang="en-US" dirty="0">
-                <a:solidFill>
-                  <a:srgbClr val="06287E"/>
-                </a:solidFill>
-                <a:latin typeface="Courier"/>
-              </a:rPr>
-              <a:t>c</a:t>
-            </a:r>
-            <a:r>
-              <a:rPr lang="en-US" dirty="0">
-                <a:latin typeface="Courier"/>
-              </a:rPr>
-              <a:t>(</a:t>
-            </a:r>
-            <a:r>
-              <a:rPr lang="en-US" dirty="0">
-                <a:solidFill>
-                  <a:srgbClr val="4070A0"/>
-                </a:solidFill>
-                <a:latin typeface="Courier"/>
-              </a:rPr>
-              <a:t>"</a:t>
-            </a:r>
-            <a:r>
-              <a:rPr lang="en-US" dirty="0" err="1">
-                <a:solidFill>
-                  <a:srgbClr val="4070A0"/>
-                </a:solidFill>
-                <a:latin typeface="Courier"/>
-              </a:rPr>
-              <a:t>lightblue</a:t>
-            </a:r>
-            <a:r>
-              <a:rPr lang="en-US" dirty="0">
-                <a:solidFill>
-                  <a:srgbClr val="4070A0"/>
-                </a:solidFill>
-                <a:latin typeface="Courier"/>
-              </a:rPr>
-              <a:t>"</a:t>
-            </a:r>
-            <a:r>
-              <a:rPr lang="en-US" dirty="0">
-                <a:latin typeface="Courier"/>
-              </a:rPr>
-              <a:t>, </a:t>
-            </a:r>
-            <a:r>
-              <a:rPr lang="en-US" dirty="0">
-                <a:solidFill>
-                  <a:srgbClr val="4070A0"/>
-                </a:solidFill>
-                <a:latin typeface="Courier"/>
-              </a:rPr>
-              <a:t>"</a:t>
-            </a:r>
-            <a:r>
-              <a:rPr lang="en-US" dirty="0" err="1">
-                <a:solidFill>
-                  <a:srgbClr val="4070A0"/>
-                </a:solidFill>
-                <a:latin typeface="Courier"/>
-              </a:rPr>
-              <a:t>darkred</a:t>
-            </a:r>
-            <a:r>
-              <a:rPr lang="en-US" dirty="0">
-                <a:solidFill>
-                  <a:srgbClr val="4070A0"/>
-                </a:solidFill>
-                <a:latin typeface="Courier"/>
-              </a:rPr>
-              <a:t>"</a:t>
-            </a:r>
-            <a:r>
-              <a:rPr lang="en-US" dirty="0">
-                <a:latin typeface="Courier"/>
-              </a:rPr>
-              <a:t>), </a:t>
-            </a:r>
-            <a:r>
-              <a:rPr lang="en-US" dirty="0">
-                <a:solidFill>
-                  <a:srgbClr val="7D9029"/>
-                </a:solidFill>
-                <a:latin typeface="Courier"/>
-              </a:rPr>
-              <a:t>labels =</a:t>
-            </a:r>
-            <a:r>
-              <a:rPr lang="en-US" dirty="0">
-                <a:latin typeface="Courier"/>
-              </a:rPr>
-              <a:t> </a:t>
-            </a:r>
-            <a:r>
-              <a:rPr lang="en-US" dirty="0">
-                <a:solidFill>
-                  <a:srgbClr val="06287E"/>
-                </a:solidFill>
-                <a:latin typeface="Courier"/>
-              </a:rPr>
-              <a:t>c</a:t>
-            </a:r>
-            <a:r>
-              <a:rPr lang="en-US" dirty="0">
-                <a:latin typeface="Courier"/>
-              </a:rPr>
-              <a:t>(</a:t>
-            </a:r>
-            <a:r>
-              <a:rPr lang="en-US" dirty="0">
-                <a:solidFill>
-                  <a:srgbClr val="4070A0"/>
-                </a:solidFill>
-                <a:latin typeface="Courier"/>
-              </a:rPr>
-              <a:t>"Individuals"</a:t>
-            </a:r>
-            <a:r>
-              <a:rPr lang="en-US" dirty="0">
-                <a:latin typeface="Courier"/>
-              </a:rPr>
-              <a:t>, </a:t>
-            </a:r>
-            <a:r>
-              <a:rPr lang="en-US" dirty="0">
-                <a:solidFill>
-                  <a:srgbClr val="4070A0"/>
-                </a:solidFill>
-                <a:latin typeface="Courier"/>
-              </a:rPr>
-              <a:t>"Family"</a:t>
+              <a:t>"Commissions"</a:t>
             </a:r>
             <a:r>
               <a:rPr lang="en-US" dirty="0">
@@ -4683,9 +4816,15 @@
       </p:grpSpPr>
       <p:pic>
         <p:nvPicPr>
-          <p:cNvPr id="2" name="Picture 1" descr="øvelse_1_files/figure-pptx/s7-2-1.png"/>
+          <p:cNvPr id="3" name="Picture 2">
+            <a:extLst>
+              <a:ext uri="{FF2B5EF4-FFF2-40B4-BE49-F238E27FC236}">
+                <a16:creationId xmlns:a16="http://schemas.microsoft.com/office/drawing/2014/main" id="{EA3C5DDF-518E-CE48-824C-E29F77DD923A}"/>
+              </a:ext>
+            </a:extLst>
+          </p:cNvPr>
           <p:cNvPicPr>
-            <a:picLocks noGrp="1" noChangeAspect="1"/>
+            <a:picLocks noChangeAspect="1"/>
           </p:cNvPicPr>
           <p:nvPr/>
         </p:nvPicPr>
@@ -4695,20 +4834,14 @@
             <a:fillRect/>
           </a:stretch>
         </p:blipFill>
-        <p:spPr bwMode="auto">
+        <p:spPr>
           <a:xfrm>
-            <a:off x="2463800" y="1346200"/>
-            <a:ext cx="7239000" cy="4826000"/>
+            <a:off x="1809541" y="1166735"/>
+            <a:ext cx="8572918" cy="5615961"/>
           </a:xfrm>
           <a:prstGeom prst="rect">
             <a:avLst/>
           </a:prstGeom>
-          <a:noFill/>
-          <a:ln w="9525">
-            <a:noFill/>
-            <a:headEnd/>
-            <a:tailEnd/>
-          </a:ln>
         </p:spPr>
       </p:pic>
     </p:spTree>

--- a/content/teaching/virksomhedsstrategi/lektion01/lektion01-powerpoint.pptx
+++ b/content/teaching/virksomhedsstrategi/lektion01/lektion01-powerpoint.pptx
@@ -6868,7 +6868,32 @@
               <a:buNone/>
             </a:pPr>
             <a:r>
-              <a:t>Indlæsning &amp; barbejdning af data</a:t>
+              <a:rPr dirty="0" err="1"/>
+              <a:t>Indlæsning</a:t>
+            </a:r>
+            <a:r>
+              <a:rPr dirty="0"/>
+              <a:t> &amp; b</a:t>
+            </a:r>
+            <a:r>
+              <a:rPr lang="de-DE" dirty="0" err="1"/>
+              <a:t>e</a:t>
+            </a:r>
+            <a:r>
+              <a:rPr dirty="0" err="1"/>
+              <a:t>arbejdning</a:t>
+            </a:r>
+            <a:r>
+              <a:rPr dirty="0"/>
+              <a:t> </a:t>
+            </a:r>
+            <a:r>
+              <a:rPr dirty="0" err="1"/>
+              <a:t>af</a:t>
+            </a:r>
+            <a:r>
+              <a:rPr dirty="0"/>
+              <a:t> data</a:t>
             </a:r>
           </a:p>
         </p:txBody>

--- a/content/teaching/virksomhedsstrategi/lektion01/lektion01-powerpoint.pptx
+++ b/content/teaching/virksomhedsstrategi/lektion01/lektion01-powerpoint.pptx
@@ -750,7 +750,7 @@
           <a:p>
             <a:fld id="{72351DB6-F528-9744-B6FA-416287369DEB}" type="datetimeFigureOut">
               <a:rPr lang="en-DK" smtClean="0"/>
-              <a:t>14/02/2022</a:t>
+              <a:t>15/02/2022</a:t>
             </a:fld>
             <a:endParaRPr lang="en-DK"/>
           </a:p>
@@ -1849,7 +1849,7 @@
         <p:spPr>
           <a:xfrm>
             <a:off x="287676" y="236306"/>
-            <a:ext cx="4976042" cy="369332"/>
+            <a:ext cx="5065810" cy="369332"/>
           </a:xfrm>
           <a:prstGeom prst="rect">
             <a:avLst/>
@@ -1866,7 +1866,7 @@
               <a:rPr lang="en-DK" dirty="0">
                 <a:latin typeface="Sitka Display" pitchFamily="2" charset="0"/>
               </a:rPr>
-              <a:t>Virkomshedsstrategi </a:t>
+              <a:t>Virksomhedsstrategi </a:t>
             </a:r>
             <a:r>
               <a:rPr lang="en-US" dirty="0" err="1">
@@ -2533,6 +2533,12 @@
             <a:br>
               <a:rPr dirty="0"/>
             </a:br>
+            <a:endParaRPr lang="de-DE" dirty="0"/>
+          </a:p>
+          <a:p>
+            <a:pPr lvl="0" indent="0">
+              <a:buNone/>
+            </a:pPr>
             <a:br>
               <a:rPr dirty="0"/>
             </a:br>
@@ -2722,6 +2728,12 @@
             <a:br>
               <a:rPr dirty="0"/>
             </a:br>
+            <a:endParaRPr lang="de-DE" dirty="0"/>
+          </a:p>
+          <a:p>
+            <a:pPr lvl="0" indent="0">
+              <a:buNone/>
+            </a:pPr>
             <a:br>
               <a:rPr dirty="0"/>
             </a:br>
@@ -5722,16 +5734,7 @@
                 </a:solidFill>
                 <a:latin typeface="Courier"/>
               </a:rPr>
-              <a:t> R </a:t>
-            </a:r>
-            <a:r>
-              <a:rPr i="1" dirty="0" err="1">
-                <a:solidFill>
-                  <a:srgbClr val="60A0B0"/>
-                </a:solidFill>
-                <a:latin typeface="Courier"/>
-              </a:rPr>
-              <a:t>versionen</a:t>
+              <a:t> R version</a:t>
             </a:r>
             <a:br>
               <a:rPr dirty="0"/>
@@ -6977,7 +6980,7 @@
         <p:spPr/>
         <p:txBody>
           <a:bodyPr>
-            <a:normAutofit fontScale="62500" lnSpcReduction="20000"/>
+            <a:normAutofit fontScale="55000" lnSpcReduction="20000"/>
           </a:bodyPr>
           <a:lstStyle/>
           <a:p>
@@ -6985,101 +6988,101 @@
               <a:buNone/>
             </a:pPr>
             <a:r>
-              <a:rPr lang="en-US" dirty="0" err="1"/>
+              <a:rPr lang="en-US" sz="2900" dirty="0" err="1"/>
               <a:t>Først</a:t>
             </a:r>
             <a:r>
-              <a:rPr lang="en-US" dirty="0"/>
-              <a:t> </a:t>
-            </a:r>
-            <a:r>
-              <a:rPr lang="en-US" dirty="0" err="1"/>
+              <a:rPr lang="en-US" sz="2900" dirty="0"/>
+              <a:t> </a:t>
+            </a:r>
+            <a:r>
+              <a:rPr lang="en-US" sz="2900" dirty="0" err="1"/>
               <a:t>skal</a:t>
             </a:r>
             <a:r>
-              <a:rPr lang="en-US" dirty="0"/>
-              <a:t> </a:t>
-            </a:r>
-            <a:r>
-              <a:rPr lang="en-US" dirty="0" err="1"/>
+              <a:rPr lang="en-US" sz="2900" dirty="0"/>
+              <a:t> </a:t>
+            </a:r>
+            <a:r>
+              <a:rPr lang="en-US" sz="2900" dirty="0" err="1"/>
               <a:t>i</a:t>
             </a:r>
             <a:r>
-              <a:rPr lang="en-US" dirty="0"/>
-              <a:t> </a:t>
-            </a:r>
-            <a:r>
-              <a:rPr lang="en-US" dirty="0" err="1"/>
+              <a:rPr lang="en-US" sz="2900" dirty="0"/>
+              <a:t> </a:t>
+            </a:r>
+            <a:r>
+              <a:rPr lang="en-US" sz="2900" dirty="0" err="1"/>
               <a:t>downloade</a:t>
             </a:r>
             <a:r>
-              <a:rPr lang="en-US" dirty="0"/>
+              <a:rPr lang="en-US" sz="2900" dirty="0"/>
               <a:t> elite </a:t>
             </a:r>
             <a:r>
-              <a:rPr lang="en-US" dirty="0" err="1"/>
+              <a:rPr lang="en-US" sz="2900" dirty="0" err="1"/>
               <a:t>netværk</a:t>
             </a:r>
             <a:r>
-              <a:rPr lang="en-US" dirty="0"/>
-              <a:t> </a:t>
-            </a:r>
-            <a:r>
-              <a:rPr lang="en-US" dirty="0" err="1"/>
+              <a:rPr lang="en-US" sz="2900" dirty="0"/>
+              <a:t> </a:t>
+            </a:r>
+            <a:r>
+              <a:rPr lang="en-US" sz="2900" dirty="0" err="1"/>
               <a:t>datasæt</a:t>
             </a:r>
             <a:r>
-              <a:rPr lang="en-US" dirty="0"/>
-              <a:t> </a:t>
-            </a:r>
-            <a:r>
-              <a:rPr lang="en-US" dirty="0" err="1"/>
+              <a:rPr lang="en-US" sz="2900" dirty="0"/>
+              <a:t> </a:t>
+            </a:r>
+            <a:r>
+              <a:rPr lang="en-US" sz="2900" dirty="0" err="1"/>
               <a:t>fra</a:t>
             </a:r>
             <a:r>
-              <a:rPr lang="en-US" dirty="0"/>
+              <a:rPr lang="en-US" sz="2900" dirty="0"/>
               <a:t> canvas </a:t>
             </a:r>
             <a:r>
-              <a:rPr lang="en-US" dirty="0" err="1"/>
+              <a:rPr lang="en-US" sz="2900" dirty="0" err="1"/>
               <a:t>eller</a:t>
             </a:r>
             <a:r>
-              <a:rPr lang="en-US" dirty="0"/>
-              <a:t> </a:t>
-            </a:r>
-            <a:r>
-              <a:rPr lang="en-US" dirty="0">
+              <a:rPr lang="en-US" sz="2900" dirty="0"/>
+              <a:t> </a:t>
+            </a:r>
+            <a:r>
+              <a:rPr lang="en-US" sz="2900" dirty="0">
                 <a:hlinkClick r:id="rId2"/>
               </a:rPr>
               <a:t>her</a:t>
             </a:r>
             <a:r>
-              <a:rPr lang="en-US" dirty="0"/>
-              <a:t> </a:t>
-            </a:r>
-            <a:r>
-              <a:rPr lang="en-US" dirty="0" err="1"/>
+              <a:rPr lang="en-US" sz="2900" dirty="0"/>
+              <a:t> </a:t>
+            </a:r>
+            <a:r>
+              <a:rPr lang="en-US" sz="2900" dirty="0" err="1"/>
               <a:t>og</a:t>
             </a:r>
             <a:r>
-              <a:rPr lang="en-US" dirty="0"/>
+              <a:rPr lang="en-US" sz="2900" dirty="0"/>
               <a:t> gem </a:t>
             </a:r>
             <a:r>
-              <a:rPr lang="en-US" dirty="0" err="1"/>
+              <a:rPr lang="en-US" sz="2900" dirty="0" err="1"/>
               <a:t>filen</a:t>
             </a:r>
             <a:r>
-              <a:rPr lang="en-US" dirty="0"/>
+              <a:rPr lang="en-US" sz="2900" dirty="0"/>
               <a:t> under </a:t>
             </a:r>
             <a:r>
-              <a:rPr lang="en-US" b="1" dirty="0" err="1"/>
+              <a:rPr lang="en-US" sz="2900" b="1" dirty="0" err="1"/>
               <a:t>working_directory_folder</a:t>
             </a:r>
             <a:r>
-              <a:rPr lang="en-US" b="1" dirty="0"/>
+              <a:rPr lang="en-US" sz="2900" b="1" dirty="0"/>
               <a:t>/input</a:t>
             </a:r>
           </a:p>
